--- a/PPT模板/ppt模板（16：9带母版）.pptx
+++ b/PPT模板/ppt模板（16：9带母版）.pptx
@@ -1889,39 +1889,50 @@
         </p:spPr>
         <p:txBody>
           <a:bodyPr vert="eaVert"/>
-          <a:lstStyle/>
+          <a:lstStyle>
+            <a:lvl1pPr marL="342900" indent="-342900">
+              <a:buFont typeface="Wingdings" panose="05000000000000000000" pitchFamily="2" charset="2"/>
+              <a:buChar char="Ø"/>
+              <a:defRPr/>
+            </a:lvl1pPr>
+            <a:lvl2pPr marL="742950" indent="-285750">
+              <a:buFont typeface="Wingdings" panose="05000000000000000000" pitchFamily="2" charset="2"/>
+              <a:buChar char="n"/>
+              <a:defRPr/>
+            </a:lvl2pPr>
+          </a:lstStyle>
           <a:p>
             <a:pPr lvl="0"/>
             <a:r>
-              <a:rPr lang="zh-CN" altLang="en-US"/>
+              <a:rPr lang="zh-CN" altLang="en-US" dirty="0"/>
               <a:t>单击此处编辑母版文本样式</a:t>
             </a:r>
           </a:p>
           <a:p>
             <a:pPr lvl="1"/>
             <a:r>
-              <a:rPr lang="zh-CN" altLang="en-US"/>
+              <a:rPr lang="zh-CN" altLang="en-US" dirty="0"/>
               <a:t>第二级</a:t>
             </a:r>
           </a:p>
           <a:p>
             <a:pPr lvl="2"/>
             <a:r>
-              <a:rPr lang="zh-CN" altLang="en-US"/>
+              <a:rPr lang="zh-CN" altLang="en-US" dirty="0"/>
               <a:t>第三级</a:t>
             </a:r>
           </a:p>
           <a:p>
             <a:pPr lvl="3"/>
             <a:r>
-              <a:rPr lang="zh-CN" altLang="en-US"/>
+              <a:rPr lang="zh-CN" altLang="en-US" dirty="0"/>
               <a:t>第四级</a:t>
             </a:r>
           </a:p>
           <a:p>
             <a:pPr lvl="4"/>
             <a:r>
-              <a:rPr lang="zh-CN" altLang="en-US"/>
+              <a:rPr lang="zh-CN" altLang="en-US" dirty="0"/>
               <a:t>第五级</a:t>
             </a:r>
           </a:p>
@@ -2279,39 +2290,50 @@
         </p:spPr>
         <p:txBody>
           <a:bodyPr vert="eaVert"/>
-          <a:lstStyle/>
+          <a:lstStyle>
+            <a:lvl1pPr marL="342900" indent="-342900">
+              <a:buFont typeface="Wingdings" panose="05000000000000000000" pitchFamily="2" charset="2"/>
+              <a:buChar char="Ø"/>
+              <a:defRPr/>
+            </a:lvl1pPr>
+            <a:lvl2pPr marL="742950" indent="-285750">
+              <a:buFont typeface="Wingdings" panose="05000000000000000000" pitchFamily="2" charset="2"/>
+              <a:buChar char="n"/>
+              <a:defRPr/>
+            </a:lvl2pPr>
+          </a:lstStyle>
           <a:p>
             <a:pPr lvl="0"/>
             <a:r>
-              <a:rPr lang="zh-CN" altLang="en-US"/>
+              <a:rPr lang="zh-CN" altLang="en-US" dirty="0"/>
               <a:t>单击此处编辑母版文本样式</a:t>
             </a:r>
           </a:p>
           <a:p>
             <a:pPr lvl="1"/>
             <a:r>
-              <a:rPr lang="zh-CN" altLang="en-US"/>
+              <a:rPr lang="zh-CN" altLang="en-US" dirty="0"/>
               <a:t>第二级</a:t>
             </a:r>
           </a:p>
           <a:p>
             <a:pPr lvl="2"/>
             <a:r>
-              <a:rPr lang="zh-CN" altLang="en-US"/>
+              <a:rPr lang="zh-CN" altLang="en-US" dirty="0"/>
               <a:t>第三级</a:t>
             </a:r>
           </a:p>
           <a:p>
             <a:pPr lvl="3"/>
             <a:r>
-              <a:rPr lang="zh-CN" altLang="en-US"/>
+              <a:rPr lang="zh-CN" altLang="en-US" dirty="0"/>
               <a:t>第四级</a:t>
             </a:r>
           </a:p>
           <a:p>
             <a:pPr lvl="4"/>
             <a:r>
-              <a:rPr lang="zh-CN" altLang="en-US"/>
+              <a:rPr lang="zh-CN" altLang="en-US" dirty="0"/>
               <a:t>第五级</a:t>
             </a:r>
           </a:p>
@@ -2670,39 +2692,50 @@
         </p:spPr>
         <p:txBody>
           <a:bodyPr/>
-          <a:lstStyle/>
+          <a:lstStyle>
+            <a:lvl1pPr marL="342900" indent="-342900">
+              <a:buFont typeface="Wingdings" panose="05000000000000000000" pitchFamily="2" charset="2"/>
+              <a:buChar char="Ø"/>
+              <a:defRPr/>
+            </a:lvl1pPr>
+            <a:lvl2pPr marL="742950" indent="-285750">
+              <a:buFont typeface="Wingdings" panose="05000000000000000000" pitchFamily="2" charset="2"/>
+              <a:buChar char="n"/>
+              <a:defRPr/>
+            </a:lvl2pPr>
+          </a:lstStyle>
           <a:p>
             <a:pPr lvl="0"/>
             <a:r>
-              <a:rPr lang="zh-CN" altLang="en-US"/>
+              <a:rPr lang="zh-CN" altLang="en-US" dirty="0"/>
               <a:t>单击此处编辑母版文本样式</a:t>
             </a:r>
           </a:p>
           <a:p>
             <a:pPr lvl="1"/>
             <a:r>
-              <a:rPr lang="zh-CN" altLang="en-US"/>
+              <a:rPr lang="zh-CN" altLang="en-US" dirty="0"/>
               <a:t>第二级</a:t>
             </a:r>
           </a:p>
           <a:p>
             <a:pPr lvl="2"/>
             <a:r>
-              <a:rPr lang="zh-CN" altLang="en-US"/>
+              <a:rPr lang="zh-CN" altLang="en-US" dirty="0"/>
               <a:t>第三级</a:t>
             </a:r>
           </a:p>
           <a:p>
             <a:pPr lvl="3"/>
             <a:r>
-              <a:rPr lang="zh-CN" altLang="en-US"/>
+              <a:rPr lang="zh-CN" altLang="en-US" dirty="0"/>
               <a:t>第四级</a:t>
             </a:r>
           </a:p>
           <a:p>
             <a:pPr lvl="4"/>
             <a:r>
-              <a:rPr lang="zh-CN" altLang="en-US"/>
+              <a:rPr lang="zh-CN" altLang="en-US" dirty="0"/>
               <a:t>第五级</a:t>
             </a:r>
           </a:p>
@@ -3660,10 +3693,14 @@
         <p:txBody>
           <a:bodyPr/>
           <a:lstStyle>
-            <a:lvl1pPr>
+            <a:lvl1pPr marL="342900" indent="-342900">
+              <a:buFont typeface="Wingdings" panose="05000000000000000000" pitchFamily="2" charset="2"/>
+              <a:buChar char="Ø"/>
               <a:defRPr sz="2800"/>
             </a:lvl1pPr>
-            <a:lvl2pPr>
+            <a:lvl2pPr marL="742950" indent="-285750">
+              <a:buFont typeface="Wingdings" panose="05000000000000000000" pitchFamily="2" charset="2"/>
+              <a:buChar char="n"/>
               <a:defRPr sz="2400"/>
             </a:lvl2pPr>
             <a:lvl3pPr>
@@ -3691,35 +3728,35 @@
           <a:p>
             <a:pPr lvl="0"/>
             <a:r>
-              <a:rPr lang="zh-CN" altLang="en-US"/>
+              <a:rPr lang="zh-CN" altLang="en-US" dirty="0"/>
               <a:t>单击此处编辑母版文本样式</a:t>
             </a:r>
           </a:p>
           <a:p>
             <a:pPr lvl="1"/>
             <a:r>
-              <a:rPr lang="zh-CN" altLang="en-US"/>
+              <a:rPr lang="zh-CN" altLang="en-US" dirty="0"/>
               <a:t>第二级</a:t>
             </a:r>
           </a:p>
           <a:p>
             <a:pPr lvl="2"/>
             <a:r>
-              <a:rPr lang="zh-CN" altLang="en-US"/>
+              <a:rPr lang="zh-CN" altLang="en-US" dirty="0"/>
               <a:t>第三级</a:t>
             </a:r>
           </a:p>
           <a:p>
             <a:pPr lvl="3"/>
             <a:r>
-              <a:rPr lang="zh-CN" altLang="en-US"/>
+              <a:rPr lang="zh-CN" altLang="en-US" dirty="0"/>
               <a:t>第四级</a:t>
             </a:r>
           </a:p>
           <a:p>
             <a:pPr lvl="4"/>
             <a:r>
-              <a:rPr lang="zh-CN" altLang="en-US"/>
+              <a:rPr lang="zh-CN" altLang="en-US" dirty="0"/>
               <a:t>第五级</a:t>
             </a:r>
           </a:p>
@@ -3744,10 +3781,14 @@
         <p:txBody>
           <a:bodyPr/>
           <a:lstStyle>
-            <a:lvl1pPr>
+            <a:lvl1pPr marL="342900" indent="-342900">
+              <a:buFont typeface="Wingdings" panose="05000000000000000000" pitchFamily="2" charset="2"/>
+              <a:buChar char="Ø"/>
               <a:defRPr sz="2800"/>
             </a:lvl1pPr>
-            <a:lvl2pPr>
+            <a:lvl2pPr marL="742950" indent="-285750">
+              <a:buFont typeface="Wingdings" panose="05000000000000000000" pitchFamily="2" charset="2"/>
+              <a:buChar char="n"/>
               <a:defRPr sz="2400"/>
             </a:lvl2pPr>
             <a:lvl3pPr>
@@ -3775,35 +3816,35 @@
           <a:p>
             <a:pPr lvl="0"/>
             <a:r>
-              <a:rPr lang="zh-CN" altLang="en-US"/>
+              <a:rPr lang="zh-CN" altLang="en-US" dirty="0"/>
               <a:t>单击此处编辑母版文本样式</a:t>
             </a:r>
           </a:p>
           <a:p>
             <a:pPr lvl="1"/>
             <a:r>
-              <a:rPr lang="zh-CN" altLang="en-US"/>
+              <a:rPr lang="zh-CN" altLang="en-US" dirty="0"/>
               <a:t>第二级</a:t>
             </a:r>
           </a:p>
           <a:p>
             <a:pPr lvl="2"/>
             <a:r>
-              <a:rPr lang="zh-CN" altLang="en-US"/>
+              <a:rPr lang="zh-CN" altLang="en-US" dirty="0"/>
               <a:t>第三级</a:t>
             </a:r>
           </a:p>
           <a:p>
             <a:pPr lvl="3"/>
             <a:r>
-              <a:rPr lang="zh-CN" altLang="en-US"/>
+              <a:rPr lang="zh-CN" altLang="en-US" dirty="0"/>
               <a:t>第四级</a:t>
             </a:r>
           </a:p>
           <a:p>
             <a:pPr lvl="4"/>
             <a:r>
-              <a:rPr lang="zh-CN" altLang="en-US"/>
+              <a:rPr lang="zh-CN" altLang="en-US" dirty="0"/>
               <a:t>第五级</a:t>
             </a:r>
           </a:p>
@@ -4227,10 +4268,14 @@
         <p:txBody>
           <a:bodyPr/>
           <a:lstStyle>
-            <a:lvl1pPr>
+            <a:lvl1pPr marL="342900" indent="-342900">
+              <a:buFont typeface="Wingdings" panose="05000000000000000000" pitchFamily="2" charset="2"/>
+              <a:buChar char="Ø"/>
               <a:defRPr sz="2400"/>
             </a:lvl1pPr>
-            <a:lvl2pPr>
+            <a:lvl2pPr marL="742950" indent="-285750">
+              <a:buFont typeface="Wingdings" panose="05000000000000000000" pitchFamily="2" charset="2"/>
+              <a:buChar char="n"/>
               <a:defRPr sz="2000"/>
             </a:lvl2pPr>
             <a:lvl3pPr>
@@ -4258,35 +4303,35 @@
           <a:p>
             <a:pPr lvl="0"/>
             <a:r>
-              <a:rPr lang="zh-CN" altLang="en-US"/>
+              <a:rPr lang="zh-CN" altLang="en-US" dirty="0"/>
               <a:t>单击此处编辑母版文本样式</a:t>
             </a:r>
           </a:p>
           <a:p>
             <a:pPr lvl="1"/>
             <a:r>
-              <a:rPr lang="zh-CN" altLang="en-US"/>
+              <a:rPr lang="zh-CN" altLang="en-US" dirty="0"/>
               <a:t>第二级</a:t>
             </a:r>
           </a:p>
           <a:p>
             <a:pPr lvl="2"/>
             <a:r>
-              <a:rPr lang="zh-CN" altLang="en-US"/>
+              <a:rPr lang="zh-CN" altLang="en-US" dirty="0"/>
               <a:t>第三级</a:t>
             </a:r>
           </a:p>
           <a:p>
             <a:pPr lvl="3"/>
             <a:r>
-              <a:rPr lang="zh-CN" altLang="en-US"/>
+              <a:rPr lang="zh-CN" altLang="en-US" dirty="0"/>
               <a:t>第四级</a:t>
             </a:r>
           </a:p>
           <a:p>
             <a:pPr lvl="4"/>
             <a:r>
-              <a:rPr lang="zh-CN" altLang="en-US"/>
+              <a:rPr lang="zh-CN" altLang="en-US" dirty="0"/>
               <a:t>第五级</a:t>
             </a:r>
           </a:p>
@@ -4376,10 +4421,14 @@
         <p:txBody>
           <a:bodyPr/>
           <a:lstStyle>
-            <a:lvl1pPr>
+            <a:lvl1pPr marL="342900" indent="-342900">
+              <a:buFont typeface="Wingdings" panose="05000000000000000000" pitchFamily="2" charset="2"/>
+              <a:buChar char="Ø"/>
               <a:defRPr sz="2400"/>
             </a:lvl1pPr>
-            <a:lvl2pPr>
+            <a:lvl2pPr marL="742950" indent="-285750">
+              <a:buFont typeface="Wingdings" panose="05000000000000000000" pitchFamily="2" charset="2"/>
+              <a:buChar char="n"/>
               <a:defRPr sz="2000"/>
             </a:lvl2pPr>
             <a:lvl3pPr>
@@ -4407,35 +4456,35 @@
           <a:p>
             <a:pPr lvl="0"/>
             <a:r>
-              <a:rPr lang="zh-CN" altLang="en-US"/>
+              <a:rPr lang="zh-CN" altLang="en-US" dirty="0"/>
               <a:t>单击此处编辑母版文本样式</a:t>
             </a:r>
           </a:p>
           <a:p>
             <a:pPr lvl="1"/>
             <a:r>
-              <a:rPr lang="zh-CN" altLang="en-US"/>
+              <a:rPr lang="zh-CN" altLang="en-US" dirty="0"/>
               <a:t>第二级</a:t>
             </a:r>
           </a:p>
           <a:p>
             <a:pPr lvl="2"/>
             <a:r>
-              <a:rPr lang="zh-CN" altLang="en-US"/>
+              <a:rPr lang="zh-CN" altLang="en-US" dirty="0"/>
               <a:t>第三级</a:t>
             </a:r>
           </a:p>
           <a:p>
             <a:pPr lvl="3"/>
             <a:r>
-              <a:rPr lang="zh-CN" altLang="en-US"/>
+              <a:rPr lang="zh-CN" altLang="en-US" dirty="0"/>
               <a:t>第四级</a:t>
             </a:r>
           </a:p>
           <a:p>
             <a:pPr lvl="4"/>
             <a:r>
-              <a:rPr lang="zh-CN" altLang="en-US"/>
+              <a:rPr lang="zh-CN" altLang="en-US" dirty="0"/>
               <a:t>第五级</a:t>
             </a:r>
           </a:p>
@@ -5651,10 +5700,14 @@
         <p:txBody>
           <a:bodyPr/>
           <a:lstStyle>
-            <a:lvl1pPr>
+            <a:lvl1pPr marL="342900" indent="-342900">
+              <a:buFont typeface="Wingdings" panose="05000000000000000000" pitchFamily="2" charset="2"/>
+              <a:buChar char="Ø"/>
               <a:defRPr sz="3200"/>
             </a:lvl1pPr>
-            <a:lvl2pPr>
+            <a:lvl2pPr marL="742950" indent="-285750">
+              <a:buFont typeface="Wingdings" panose="05000000000000000000" pitchFamily="2" charset="2"/>
+              <a:buChar char="n"/>
               <a:defRPr sz="2800"/>
             </a:lvl2pPr>
             <a:lvl3pPr>
@@ -5682,35 +5735,35 @@
           <a:p>
             <a:pPr lvl="0"/>
             <a:r>
-              <a:rPr lang="zh-CN" altLang="en-US"/>
+              <a:rPr lang="zh-CN" altLang="en-US" dirty="0"/>
               <a:t>单击此处编辑母版文本样式</a:t>
             </a:r>
           </a:p>
           <a:p>
             <a:pPr lvl="1"/>
             <a:r>
-              <a:rPr lang="zh-CN" altLang="en-US"/>
+              <a:rPr lang="zh-CN" altLang="en-US" dirty="0"/>
               <a:t>第二级</a:t>
             </a:r>
           </a:p>
           <a:p>
             <a:pPr lvl="2"/>
             <a:r>
-              <a:rPr lang="zh-CN" altLang="en-US"/>
+              <a:rPr lang="zh-CN" altLang="en-US" dirty="0"/>
               <a:t>第三级</a:t>
             </a:r>
           </a:p>
           <a:p>
             <a:pPr lvl="3"/>
             <a:r>
-              <a:rPr lang="zh-CN" altLang="en-US"/>
+              <a:rPr lang="zh-CN" altLang="en-US" dirty="0"/>
               <a:t>第四级</a:t>
             </a:r>
           </a:p>
           <a:p>
             <a:pPr lvl="4"/>
             <a:r>
-              <a:rPr lang="zh-CN" altLang="en-US"/>
+              <a:rPr lang="zh-CN" altLang="en-US" dirty="0"/>
               <a:t>第五级</a:t>
             </a:r>
           </a:p>
